--- a/title.pptx
+++ b/title.pptx
@@ -262,7 +262,7 @@
           <a:p>
             <a:fld id="{AE8FB4D4-C118-45F4-8C1A-A2DFB70A21FE}" type="datetimeFigureOut">
               <a:rPr lang="en-GB" smtClean="0"/>
-              <a:t>17/02/2023</a:t>
+              <a:t>18/02/2023</a:t>
             </a:fld>
             <a:endParaRPr lang="en-GB"/>
           </a:p>
@@ -462,7 +462,7 @@
           <a:p>
             <a:fld id="{AE8FB4D4-C118-45F4-8C1A-A2DFB70A21FE}" type="datetimeFigureOut">
               <a:rPr lang="en-GB" smtClean="0"/>
-              <a:t>17/02/2023</a:t>
+              <a:t>18/02/2023</a:t>
             </a:fld>
             <a:endParaRPr lang="en-GB"/>
           </a:p>
@@ -672,7 +672,7 @@
           <a:p>
             <a:fld id="{AE8FB4D4-C118-45F4-8C1A-A2DFB70A21FE}" type="datetimeFigureOut">
               <a:rPr lang="en-GB" smtClean="0"/>
-              <a:t>17/02/2023</a:t>
+              <a:t>18/02/2023</a:t>
             </a:fld>
             <a:endParaRPr lang="en-GB"/>
           </a:p>
@@ -872,7 +872,7 @@
           <a:p>
             <a:fld id="{AE8FB4D4-C118-45F4-8C1A-A2DFB70A21FE}" type="datetimeFigureOut">
               <a:rPr lang="en-GB" smtClean="0"/>
-              <a:t>17/02/2023</a:t>
+              <a:t>18/02/2023</a:t>
             </a:fld>
             <a:endParaRPr lang="en-GB"/>
           </a:p>
@@ -1148,7 +1148,7 @@
           <a:p>
             <a:fld id="{AE8FB4D4-C118-45F4-8C1A-A2DFB70A21FE}" type="datetimeFigureOut">
               <a:rPr lang="en-GB" smtClean="0"/>
-              <a:t>17/02/2023</a:t>
+              <a:t>18/02/2023</a:t>
             </a:fld>
             <a:endParaRPr lang="en-GB"/>
           </a:p>
@@ -1416,7 +1416,7 @@
           <a:p>
             <a:fld id="{AE8FB4D4-C118-45F4-8C1A-A2DFB70A21FE}" type="datetimeFigureOut">
               <a:rPr lang="en-GB" smtClean="0"/>
-              <a:t>17/02/2023</a:t>
+              <a:t>18/02/2023</a:t>
             </a:fld>
             <a:endParaRPr lang="en-GB"/>
           </a:p>
@@ -1831,7 +1831,7 @@
           <a:p>
             <a:fld id="{AE8FB4D4-C118-45F4-8C1A-A2DFB70A21FE}" type="datetimeFigureOut">
               <a:rPr lang="en-GB" smtClean="0"/>
-              <a:t>17/02/2023</a:t>
+              <a:t>18/02/2023</a:t>
             </a:fld>
             <a:endParaRPr lang="en-GB"/>
           </a:p>
@@ -1973,7 +1973,7 @@
           <a:p>
             <a:fld id="{AE8FB4D4-C118-45F4-8C1A-A2DFB70A21FE}" type="datetimeFigureOut">
               <a:rPr lang="en-GB" smtClean="0"/>
-              <a:t>17/02/2023</a:t>
+              <a:t>18/02/2023</a:t>
             </a:fld>
             <a:endParaRPr lang="en-GB"/>
           </a:p>
@@ -2086,7 +2086,7 @@
           <a:p>
             <a:fld id="{AE8FB4D4-C118-45F4-8C1A-A2DFB70A21FE}" type="datetimeFigureOut">
               <a:rPr lang="en-GB" smtClean="0"/>
-              <a:t>17/02/2023</a:t>
+              <a:t>18/02/2023</a:t>
             </a:fld>
             <a:endParaRPr lang="en-GB"/>
           </a:p>
@@ -2399,7 +2399,7 @@
           <a:p>
             <a:fld id="{AE8FB4D4-C118-45F4-8C1A-A2DFB70A21FE}" type="datetimeFigureOut">
               <a:rPr lang="en-GB" smtClean="0"/>
-              <a:t>17/02/2023</a:t>
+              <a:t>18/02/2023</a:t>
             </a:fld>
             <a:endParaRPr lang="en-GB"/>
           </a:p>
@@ -2688,7 +2688,7 @@
           <a:p>
             <a:fld id="{AE8FB4D4-C118-45F4-8C1A-A2DFB70A21FE}" type="datetimeFigureOut">
               <a:rPr lang="en-GB" smtClean="0"/>
-              <a:t>17/02/2023</a:t>
+              <a:t>18/02/2023</a:t>
             </a:fld>
             <a:endParaRPr lang="en-GB"/>
           </a:p>
@@ -2931,7 +2931,7 @@
           <a:p>
             <a:fld id="{AE8FB4D4-C118-45F4-8C1A-A2DFB70A21FE}" type="datetimeFigureOut">
               <a:rPr lang="en-GB" smtClean="0"/>
-              <a:t>17/02/2023</a:t>
+              <a:t>18/02/2023</a:t>
             </a:fld>
             <a:endParaRPr lang="en-GB"/>
           </a:p>
@@ -3792,6 +3792,45 @@
           </a:p>
         </p:txBody>
       </p:sp>
+      <p:pic>
+        <p:nvPicPr>
+          <p:cNvPr id="5" name="Graphic 4" descr="Repeat with solid fill">
+            <a:extLst>
+              <a:ext uri="{FF2B5EF4-FFF2-40B4-BE49-F238E27FC236}">
+                <a16:creationId xmlns:a16="http://schemas.microsoft.com/office/drawing/2014/main" id="{9146AE2D-E6F3-050F-9D7E-F6EF6BFEA0D2}"/>
+              </a:ext>
+            </a:extLst>
+          </p:cNvPr>
+          <p:cNvPicPr>
+            <a:picLocks noChangeAspect="1"/>
+          </p:cNvPicPr>
+          <p:nvPr/>
+        </p:nvPicPr>
+        <p:blipFill>
+          <a:blip r:embed="rId2">
+            <a:extLst>
+              <a:ext uri="{28A0092B-C50C-407E-A947-70E740481C1C}">
+                <a14:useLocalDpi xmlns:a14="http://schemas.microsoft.com/office/drawing/2010/main" val="0"/>
+              </a:ext>
+              <a:ext uri="{96DAC541-7B7A-43D3-8B79-37D633B846F1}">
+                <asvg:svgBlip xmlns:asvg="http://schemas.microsoft.com/office/drawing/2016/SVG/main" r:embed="rId3"/>
+              </a:ext>
+            </a:extLst>
+          </a:blip>
+          <a:stretch>
+            <a:fillRect/>
+          </a:stretch>
+        </p:blipFill>
+        <p:spPr>
+          <a:xfrm>
+            <a:off x="7806047" y="2189018"/>
+            <a:ext cx="2208810" cy="2208810"/>
+          </a:xfrm>
+          <a:prstGeom prst="rect">
+            <a:avLst/>
+          </a:prstGeom>
+        </p:spPr>
+      </p:pic>
     </p:spTree>
     <p:extLst>
       <p:ext uri="{BB962C8B-B14F-4D97-AF65-F5344CB8AC3E}">

--- a/title.pptx
+++ b/title.pptx
@@ -6,7 +6,8 @@
   </p:sldMasterIdLst>
   <p:sldIdLst>
     <p:sldId id="256" r:id="rId2"/>
-    <p:sldId id="257" r:id="rId3"/>
+    <p:sldId id="258" r:id="rId3"/>
+    <p:sldId id="257" r:id="rId4"/>
   </p:sldIdLst>
   <p:sldSz cx="12192000" cy="6858000"/>
   <p:notesSz cx="6858000" cy="9144000"/>
@@ -262,7 +263,7 @@
           <a:p>
             <a:fld id="{AE8FB4D4-C118-45F4-8C1A-A2DFB70A21FE}" type="datetimeFigureOut">
               <a:rPr lang="en-GB" smtClean="0"/>
-              <a:t>18/02/2023</a:t>
+              <a:t>19/02/2023</a:t>
             </a:fld>
             <a:endParaRPr lang="en-GB"/>
           </a:p>
@@ -462,7 +463,7 @@
           <a:p>
             <a:fld id="{AE8FB4D4-C118-45F4-8C1A-A2DFB70A21FE}" type="datetimeFigureOut">
               <a:rPr lang="en-GB" smtClean="0"/>
-              <a:t>18/02/2023</a:t>
+              <a:t>19/02/2023</a:t>
             </a:fld>
             <a:endParaRPr lang="en-GB"/>
           </a:p>
@@ -672,7 +673,7 @@
           <a:p>
             <a:fld id="{AE8FB4D4-C118-45F4-8C1A-A2DFB70A21FE}" type="datetimeFigureOut">
               <a:rPr lang="en-GB" smtClean="0"/>
-              <a:t>18/02/2023</a:t>
+              <a:t>19/02/2023</a:t>
             </a:fld>
             <a:endParaRPr lang="en-GB"/>
           </a:p>
@@ -872,7 +873,7 @@
           <a:p>
             <a:fld id="{AE8FB4D4-C118-45F4-8C1A-A2DFB70A21FE}" type="datetimeFigureOut">
               <a:rPr lang="en-GB" smtClean="0"/>
-              <a:t>18/02/2023</a:t>
+              <a:t>19/02/2023</a:t>
             </a:fld>
             <a:endParaRPr lang="en-GB"/>
           </a:p>
@@ -1148,7 +1149,7 @@
           <a:p>
             <a:fld id="{AE8FB4D4-C118-45F4-8C1A-A2DFB70A21FE}" type="datetimeFigureOut">
               <a:rPr lang="en-GB" smtClean="0"/>
-              <a:t>18/02/2023</a:t>
+              <a:t>19/02/2023</a:t>
             </a:fld>
             <a:endParaRPr lang="en-GB"/>
           </a:p>
@@ -1416,7 +1417,7 @@
           <a:p>
             <a:fld id="{AE8FB4D4-C118-45F4-8C1A-A2DFB70A21FE}" type="datetimeFigureOut">
               <a:rPr lang="en-GB" smtClean="0"/>
-              <a:t>18/02/2023</a:t>
+              <a:t>19/02/2023</a:t>
             </a:fld>
             <a:endParaRPr lang="en-GB"/>
           </a:p>
@@ -1831,7 +1832,7 @@
           <a:p>
             <a:fld id="{AE8FB4D4-C118-45F4-8C1A-A2DFB70A21FE}" type="datetimeFigureOut">
               <a:rPr lang="en-GB" smtClean="0"/>
-              <a:t>18/02/2023</a:t>
+              <a:t>19/02/2023</a:t>
             </a:fld>
             <a:endParaRPr lang="en-GB"/>
           </a:p>
@@ -1973,7 +1974,7 @@
           <a:p>
             <a:fld id="{AE8FB4D4-C118-45F4-8C1A-A2DFB70A21FE}" type="datetimeFigureOut">
               <a:rPr lang="en-GB" smtClean="0"/>
-              <a:t>18/02/2023</a:t>
+              <a:t>19/02/2023</a:t>
             </a:fld>
             <a:endParaRPr lang="en-GB"/>
           </a:p>
@@ -2086,7 +2087,7 @@
           <a:p>
             <a:fld id="{AE8FB4D4-C118-45F4-8C1A-A2DFB70A21FE}" type="datetimeFigureOut">
               <a:rPr lang="en-GB" smtClean="0"/>
-              <a:t>18/02/2023</a:t>
+              <a:t>19/02/2023</a:t>
             </a:fld>
             <a:endParaRPr lang="en-GB"/>
           </a:p>
@@ -2399,7 +2400,7 @@
           <a:p>
             <a:fld id="{AE8FB4D4-C118-45F4-8C1A-A2DFB70A21FE}" type="datetimeFigureOut">
               <a:rPr lang="en-GB" smtClean="0"/>
-              <a:t>18/02/2023</a:t>
+              <a:t>19/02/2023</a:t>
             </a:fld>
             <a:endParaRPr lang="en-GB"/>
           </a:p>
@@ -2688,7 +2689,7 @@
           <a:p>
             <a:fld id="{AE8FB4D4-C118-45F4-8C1A-A2DFB70A21FE}" type="datetimeFigureOut">
               <a:rPr lang="en-GB" smtClean="0"/>
-              <a:t>18/02/2023</a:t>
+              <a:t>19/02/2023</a:t>
             </a:fld>
             <a:endParaRPr lang="en-GB"/>
           </a:p>
@@ -2931,7 +2932,7 @@
           <a:p>
             <a:fld id="{AE8FB4D4-C118-45F4-8C1A-A2DFB70A21FE}" type="datetimeFigureOut">
               <a:rPr lang="en-GB" smtClean="0"/>
-              <a:t>18/02/2023</a:t>
+              <a:t>19/02/2023</a:t>
             </a:fld>
             <a:endParaRPr lang="en-GB"/>
           </a:p>
@@ -3684,6 +3685,281 @@
       </p:grpSpPr>
       <p:sp>
         <p:nvSpPr>
+          <p:cNvPr id="6" name="Rectangle 5">
+            <a:extLst>
+              <a:ext uri="{FF2B5EF4-FFF2-40B4-BE49-F238E27FC236}">
+                <a16:creationId xmlns:a16="http://schemas.microsoft.com/office/drawing/2014/main" id="{75FAEF21-B84B-D954-7A60-22E90B2E651E}"/>
+              </a:ext>
+            </a:extLst>
+          </p:cNvPr>
+          <p:cNvSpPr/>
+          <p:nvPr/>
+        </p:nvSpPr>
+        <p:spPr>
+          <a:xfrm>
+            <a:off x="4985662" y="696575"/>
+            <a:ext cx="2220673" cy="923330"/>
+          </a:xfrm>
+          <a:prstGeom prst="rect">
+            <a:avLst/>
+          </a:prstGeom>
+          <a:noFill/>
+        </p:spPr>
+        <p:txBody>
+          <a:bodyPr wrap="none" lIns="91440" tIns="45720" rIns="91440" bIns="45720">
+            <a:prstTxWarp prst="textArchUp">
+              <a:avLst/>
+            </a:prstTxWarp>
+            <a:spAutoFit/>
+          </a:bodyPr>
+          <a:lstStyle/>
+          <a:p>
+            <a:pPr algn="ctr"/>
+            <a:r>
+              <a:rPr lang="en-US" sz="5400" b="1" i="1" cap="none" spc="0" dirty="0">
+                <a:ln w="12700">
+                  <a:solidFill>
+                    <a:srgbClr val="00B050"/>
+                  </a:solidFill>
+                  <a:prstDash val="solid"/>
+                </a:ln>
+                <a:solidFill>
+                  <a:srgbClr val="92D050"/>
+                </a:solidFill>
+                <a:effectLst>
+                  <a:outerShdw dist="38100" dir="2640000" algn="bl" rotWithShape="0">
+                    <a:schemeClr val="accent1"/>
+                  </a:outerShdw>
+                </a:effectLst>
+              </a:rPr>
+              <a:t>V</a:t>
+            </a:r>
+            <a:r>
+              <a:rPr lang="en-US" sz="5400" b="1" i="1" cap="none" spc="0" dirty="0">
+                <a:ln w="12700">
+                  <a:solidFill>
+                    <a:srgbClr val="C00000"/>
+                  </a:solidFill>
+                  <a:prstDash val="solid"/>
+                </a:ln>
+                <a:solidFill>
+                  <a:srgbClr val="FF0000"/>
+                </a:solidFill>
+                <a:effectLst>
+                  <a:outerShdw dist="38100" dir="2640000" algn="bl" rotWithShape="0">
+                    <a:schemeClr val="accent1"/>
+                  </a:outerShdw>
+                </a:effectLst>
+              </a:rPr>
+              <a:t>i</a:t>
+            </a:r>
+            <a:r>
+              <a:rPr lang="en-US" sz="5400" b="1" i="1" cap="none" spc="0" dirty="0">
+                <a:ln w="12700">
+                  <a:solidFill>
+                    <a:srgbClr val="FFF640"/>
+                  </a:solidFill>
+                  <a:prstDash val="solid"/>
+                </a:ln>
+                <a:solidFill>
+                  <a:srgbClr val="FFFF00"/>
+                </a:solidFill>
+                <a:effectLst>
+                  <a:outerShdw dist="38100" dir="2640000" algn="bl" rotWithShape="0">
+                    <a:schemeClr val="accent1"/>
+                  </a:outerShdw>
+                </a:effectLst>
+              </a:rPr>
+              <a:t>c</a:t>
+            </a:r>
+            <a:r>
+              <a:rPr lang="en-US" sz="5400" b="1" i="1" cap="none" spc="0" dirty="0">
+                <a:ln w="12700">
+                  <a:solidFill>
+                    <a:srgbClr val="0070C0"/>
+                  </a:solidFill>
+                  <a:prstDash val="solid"/>
+                </a:ln>
+                <a:solidFill>
+                  <a:srgbClr val="00B0F0"/>
+                </a:solidFill>
+                <a:effectLst>
+                  <a:outerShdw dist="38100" dir="2640000" algn="bl" rotWithShape="0">
+                    <a:schemeClr val="accent1"/>
+                  </a:outerShdw>
+                </a:effectLst>
+              </a:rPr>
+              <a:t>t</a:t>
+            </a:r>
+            <a:r>
+              <a:rPr lang="en-US" sz="5400" b="1" i="1" cap="none" spc="0" dirty="0">
+                <a:ln w="12700">
+                  <a:solidFill>
+                    <a:srgbClr val="7030A0"/>
+                  </a:solidFill>
+                  <a:prstDash val="solid"/>
+                </a:ln>
+                <a:solidFill>
+                  <a:srgbClr val="9A26FF"/>
+                </a:solidFill>
+                <a:effectLst>
+                  <a:outerShdw dist="38100" dir="2640000" algn="bl" rotWithShape="0">
+                    <a:schemeClr val="accent1"/>
+                  </a:outerShdw>
+                </a:effectLst>
+              </a:rPr>
+              <a:t>o</a:t>
+            </a:r>
+            <a:r>
+              <a:rPr lang="en-US" sz="5400" b="1" i="1" cap="none" spc="0" dirty="0">
+                <a:ln w="12700">
+                  <a:solidFill>
+                    <a:srgbClr val="00B050"/>
+                  </a:solidFill>
+                  <a:prstDash val="solid"/>
+                </a:ln>
+                <a:solidFill>
+                  <a:srgbClr val="92D050"/>
+                </a:solidFill>
+                <a:effectLst>
+                  <a:outerShdw dist="38100" dir="2640000" algn="bl" rotWithShape="0">
+                    <a:schemeClr val="accent1"/>
+                  </a:outerShdw>
+                </a:effectLst>
+              </a:rPr>
+              <a:t>r</a:t>
+            </a:r>
+            <a:r>
+              <a:rPr lang="en-US" sz="5400" b="1" i="1" dirty="0">
+                <a:ln w="12700">
+                  <a:solidFill>
+                    <a:srgbClr val="C00000"/>
+                  </a:solidFill>
+                  <a:prstDash val="solid"/>
+                </a:ln>
+                <a:solidFill>
+                  <a:srgbClr val="FF0000"/>
+                </a:solidFill>
+                <a:effectLst>
+                  <a:outerShdw dist="38100" dir="2640000" algn="bl" rotWithShape="0">
+                    <a:schemeClr val="accent1"/>
+                  </a:outerShdw>
+                </a:effectLst>
+              </a:rPr>
+              <a:t>y</a:t>
+            </a:r>
+            <a:endParaRPr lang="en-US" sz="5400" b="1" i="1" dirty="0">
+              <a:ln w="12700">
+                <a:solidFill>
+                  <a:srgbClr val="00B050"/>
+                </a:solidFill>
+                <a:prstDash val="solid"/>
+              </a:ln>
+              <a:solidFill>
+                <a:srgbClr val="92D050"/>
+              </a:solidFill>
+              <a:effectLst>
+                <a:outerShdw dist="38100" dir="2640000" algn="bl" rotWithShape="0">
+                  <a:schemeClr val="accent1"/>
+                </a:outerShdw>
+              </a:effectLst>
+            </a:endParaRPr>
+          </a:p>
+        </p:txBody>
+      </p:sp>
+      <p:sp>
+        <p:nvSpPr>
+          <p:cNvPr id="4" name="Rectangle 3">
+            <a:extLst>
+              <a:ext uri="{FF2B5EF4-FFF2-40B4-BE49-F238E27FC236}">
+                <a16:creationId xmlns:a16="http://schemas.microsoft.com/office/drawing/2014/main" id="{34BF06FB-B90F-2997-EE64-B8A9F8237872}"/>
+              </a:ext>
+            </a:extLst>
+          </p:cNvPr>
+          <p:cNvSpPr/>
+          <p:nvPr/>
+        </p:nvSpPr>
+        <p:spPr>
+          <a:xfrm>
+            <a:off x="4734974" y="2045646"/>
+            <a:ext cx="1897764" cy="1754326"/>
+          </a:xfrm>
+          <a:prstGeom prst="rect">
+            <a:avLst/>
+          </a:prstGeom>
+          <a:noFill/>
+        </p:spPr>
+        <p:txBody>
+          <a:bodyPr wrap="none" lIns="91440" tIns="45720" rIns="91440" bIns="45720">
+            <a:spAutoFit/>
+          </a:bodyPr>
+          <a:lstStyle/>
+          <a:p>
+            <a:pPr algn="ctr"/>
+            <a:r>
+              <a:rPr lang="en-US" sz="5400" dirty="0">
+                <a:ln w="0"/>
+                <a:effectLst>
+                  <a:outerShdw blurRad="38100" dist="19050" dir="2700000" algn="tl" rotWithShape="0">
+                    <a:schemeClr val="dk1">
+                      <a:alpha val="40000"/>
+                    </a:schemeClr>
+                  </a:outerShdw>
+                </a:effectLst>
+              </a:rPr>
+              <a:t>Reset</a:t>
+            </a:r>
+          </a:p>
+          <a:p>
+            <a:pPr algn="ctr"/>
+            <a:r>
+              <a:rPr lang="en-US" sz="5400" dirty="0">
+                <a:ln w="0"/>
+                <a:effectLst>
+                  <a:outerShdw blurRad="38100" dist="19050" dir="2700000" algn="tl" rotWithShape="0">
+                    <a:schemeClr val="dk1">
+                      <a:alpha val="40000"/>
+                    </a:schemeClr>
+                  </a:outerShdw>
+                </a:effectLst>
+              </a:rPr>
+              <a:t>Levels</a:t>
+            </a:r>
+          </a:p>
+        </p:txBody>
+      </p:sp>
+    </p:spTree>
+    <p:extLst>
+      <p:ext uri="{BB962C8B-B14F-4D97-AF65-F5344CB8AC3E}">
+        <p14:creationId xmlns:p14="http://schemas.microsoft.com/office/powerpoint/2010/main" val="3893767035"/>
+      </p:ext>
+    </p:extLst>
+  </p:cSld>
+  <p:clrMapOvr>
+    <a:masterClrMapping/>
+  </p:clrMapOvr>
+</p:sld>
+</file>
+
+<file path=ppt/slides/slide3.xml><?xml version="1.0" encoding="utf-8"?>
+<p:sld xmlns:a="http://schemas.openxmlformats.org/drawingml/2006/main" xmlns:r="http://schemas.openxmlformats.org/officeDocument/2006/relationships" xmlns:p="http://schemas.openxmlformats.org/presentationml/2006/main">
+  <p:cSld>
+    <p:spTree>
+      <p:nvGrpSpPr>
+        <p:cNvPr id="1" name=""/>
+        <p:cNvGrpSpPr/>
+        <p:nvPr/>
+      </p:nvGrpSpPr>
+      <p:grpSpPr>
+        <a:xfrm>
+          <a:off x="0" y="0"/>
+          <a:ext cx="0" cy="0"/>
+          <a:chOff x="0" y="0"/>
+          <a:chExt cx="0" cy="0"/>
+        </a:xfrm>
+      </p:grpSpPr>
+      <p:sp>
+        <p:nvSpPr>
           <p:cNvPr id="2" name="Rectangle 1">
             <a:extLst>
               <a:ext uri="{FF2B5EF4-FFF2-40B4-BE49-F238E27FC236}">

--- a/title.pptx
+++ b/title.pptx
@@ -263,7 +263,7 @@
           <a:p>
             <a:fld id="{AE8FB4D4-C118-45F4-8C1A-A2DFB70A21FE}" type="datetimeFigureOut">
               <a:rPr lang="en-GB" smtClean="0"/>
-              <a:t>19/02/2023</a:t>
+              <a:t>07/08/2023</a:t>
             </a:fld>
             <a:endParaRPr lang="en-GB"/>
           </a:p>
@@ -463,7 +463,7 @@
           <a:p>
             <a:fld id="{AE8FB4D4-C118-45F4-8C1A-A2DFB70A21FE}" type="datetimeFigureOut">
               <a:rPr lang="en-GB" smtClean="0"/>
-              <a:t>19/02/2023</a:t>
+              <a:t>07/08/2023</a:t>
             </a:fld>
             <a:endParaRPr lang="en-GB"/>
           </a:p>
@@ -673,7 +673,7 @@
           <a:p>
             <a:fld id="{AE8FB4D4-C118-45F4-8C1A-A2DFB70A21FE}" type="datetimeFigureOut">
               <a:rPr lang="en-GB" smtClean="0"/>
-              <a:t>19/02/2023</a:t>
+              <a:t>07/08/2023</a:t>
             </a:fld>
             <a:endParaRPr lang="en-GB"/>
           </a:p>
@@ -873,7 +873,7 @@
           <a:p>
             <a:fld id="{AE8FB4D4-C118-45F4-8C1A-A2DFB70A21FE}" type="datetimeFigureOut">
               <a:rPr lang="en-GB" smtClean="0"/>
-              <a:t>19/02/2023</a:t>
+              <a:t>07/08/2023</a:t>
             </a:fld>
             <a:endParaRPr lang="en-GB"/>
           </a:p>
@@ -1149,7 +1149,7 @@
           <a:p>
             <a:fld id="{AE8FB4D4-C118-45F4-8C1A-A2DFB70A21FE}" type="datetimeFigureOut">
               <a:rPr lang="en-GB" smtClean="0"/>
-              <a:t>19/02/2023</a:t>
+              <a:t>07/08/2023</a:t>
             </a:fld>
             <a:endParaRPr lang="en-GB"/>
           </a:p>
@@ -1417,7 +1417,7 @@
           <a:p>
             <a:fld id="{AE8FB4D4-C118-45F4-8C1A-A2DFB70A21FE}" type="datetimeFigureOut">
               <a:rPr lang="en-GB" smtClean="0"/>
-              <a:t>19/02/2023</a:t>
+              <a:t>07/08/2023</a:t>
             </a:fld>
             <a:endParaRPr lang="en-GB"/>
           </a:p>
@@ -1832,7 +1832,7 @@
           <a:p>
             <a:fld id="{AE8FB4D4-C118-45F4-8C1A-A2DFB70A21FE}" type="datetimeFigureOut">
               <a:rPr lang="en-GB" smtClean="0"/>
-              <a:t>19/02/2023</a:t>
+              <a:t>07/08/2023</a:t>
             </a:fld>
             <a:endParaRPr lang="en-GB"/>
           </a:p>
@@ -1974,7 +1974,7 @@
           <a:p>
             <a:fld id="{AE8FB4D4-C118-45F4-8C1A-A2DFB70A21FE}" type="datetimeFigureOut">
               <a:rPr lang="en-GB" smtClean="0"/>
-              <a:t>19/02/2023</a:t>
+              <a:t>07/08/2023</a:t>
             </a:fld>
             <a:endParaRPr lang="en-GB"/>
           </a:p>
@@ -2087,7 +2087,7 @@
           <a:p>
             <a:fld id="{AE8FB4D4-C118-45F4-8C1A-A2DFB70A21FE}" type="datetimeFigureOut">
               <a:rPr lang="en-GB" smtClean="0"/>
-              <a:t>19/02/2023</a:t>
+              <a:t>07/08/2023</a:t>
             </a:fld>
             <a:endParaRPr lang="en-GB"/>
           </a:p>
@@ -2400,7 +2400,7 @@
           <a:p>
             <a:fld id="{AE8FB4D4-C118-45F4-8C1A-A2DFB70A21FE}" type="datetimeFigureOut">
               <a:rPr lang="en-GB" smtClean="0"/>
-              <a:t>19/02/2023</a:t>
+              <a:t>07/08/2023</a:t>
             </a:fld>
             <a:endParaRPr lang="en-GB"/>
           </a:p>
@@ -2689,7 +2689,7 @@
           <a:p>
             <a:fld id="{AE8FB4D4-C118-45F4-8C1A-A2DFB70A21FE}" type="datetimeFigureOut">
               <a:rPr lang="en-GB" smtClean="0"/>
-              <a:t>19/02/2023</a:t>
+              <a:t>07/08/2023</a:t>
             </a:fld>
             <a:endParaRPr lang="en-GB"/>
           </a:p>
@@ -2932,7 +2932,7 @@
           <a:p>
             <a:fld id="{AE8FB4D4-C118-45F4-8C1A-A2DFB70A21FE}" type="datetimeFigureOut">
               <a:rPr lang="en-GB" smtClean="0"/>
-              <a:t>19/02/2023</a:t>
+              <a:t>07/08/2023</a:t>
             </a:fld>
             <a:endParaRPr lang="en-GB"/>
           </a:p>
@@ -4107,6 +4107,141 @@
           </a:prstGeom>
         </p:spPr>
       </p:pic>
+      <p:pic>
+        <p:nvPicPr>
+          <p:cNvPr id="6" name="Graphic 5" descr="Checkmark with solid fill">
+            <a:extLst>
+              <a:ext uri="{FF2B5EF4-FFF2-40B4-BE49-F238E27FC236}">
+                <a16:creationId xmlns:a16="http://schemas.microsoft.com/office/drawing/2014/main" id="{545BD273-577F-3703-F7A1-18467EDA0E53}"/>
+              </a:ext>
+            </a:extLst>
+          </p:cNvPr>
+          <p:cNvPicPr>
+            <a:picLocks noChangeAspect="1"/>
+          </p:cNvPicPr>
+          <p:nvPr/>
+        </p:nvPicPr>
+        <p:blipFill>
+          <a:blip r:embed="rId4">
+            <a:extLst>
+              <a:ext uri="{28A0092B-C50C-407E-A947-70E740481C1C}">
+                <a14:useLocalDpi xmlns:a14="http://schemas.microsoft.com/office/drawing/2010/main" val="0"/>
+              </a:ext>
+              <a:ext uri="{96DAC541-7B7A-43D3-8B79-37D633B846F1}">
+                <asvg:svgBlip xmlns:asvg="http://schemas.microsoft.com/office/drawing/2016/SVG/main" r:embed="rId5"/>
+              </a:ext>
+            </a:extLst>
+          </a:blip>
+          <a:stretch>
+            <a:fillRect/>
+          </a:stretch>
+        </p:blipFill>
+        <p:spPr>
+          <a:xfrm>
+            <a:off x="3140748" y="866402"/>
+            <a:ext cx="914400" cy="914400"/>
+          </a:xfrm>
+          <a:prstGeom prst="rect">
+            <a:avLst/>
+          </a:prstGeom>
+        </p:spPr>
+      </p:pic>
+      <p:pic>
+        <p:nvPicPr>
+          <p:cNvPr id="8" name="Graphic 7" descr="Checkmark outline">
+            <a:extLst>
+              <a:ext uri="{FF2B5EF4-FFF2-40B4-BE49-F238E27FC236}">
+                <a16:creationId xmlns:a16="http://schemas.microsoft.com/office/drawing/2014/main" id="{925F9A1F-FCE2-B1F3-1E7D-D0B0851A7E20}"/>
+              </a:ext>
+            </a:extLst>
+          </p:cNvPr>
+          <p:cNvPicPr>
+            <a:picLocks noChangeAspect="1"/>
+          </p:cNvPicPr>
+          <p:nvPr/>
+        </p:nvPicPr>
+        <p:blipFill>
+          <a:blip r:embed="rId6">
+            <a:extLst>
+              <a:ext uri="{28A0092B-C50C-407E-A947-70E740481C1C}">
+                <a14:useLocalDpi xmlns:a14="http://schemas.microsoft.com/office/drawing/2010/main" val="0"/>
+              </a:ext>
+              <a:ext uri="{96DAC541-7B7A-43D3-8B79-37D633B846F1}">
+                <asvg:svgBlip xmlns:asvg="http://schemas.microsoft.com/office/drawing/2016/SVG/main" r:embed="rId7"/>
+              </a:ext>
+            </a:extLst>
+          </a:blip>
+          <a:stretch>
+            <a:fillRect/>
+          </a:stretch>
+        </p:blipFill>
+        <p:spPr>
+          <a:xfrm>
+            <a:off x="3186992" y="713629"/>
+            <a:ext cx="914400" cy="914400"/>
+          </a:xfrm>
+          <a:prstGeom prst="rect">
+            <a:avLst/>
+          </a:prstGeom>
+        </p:spPr>
+      </p:pic>
+      <p:sp>
+        <p:nvSpPr>
+          <p:cNvPr id="52" name="L-Shape 51">
+            <a:extLst>
+              <a:ext uri="{FF2B5EF4-FFF2-40B4-BE49-F238E27FC236}">
+                <a16:creationId xmlns:a16="http://schemas.microsoft.com/office/drawing/2014/main" id="{DB3E44A1-3BA8-2608-968F-9021C243896E}"/>
+              </a:ext>
+            </a:extLst>
+          </p:cNvPr>
+          <p:cNvSpPr/>
+          <p:nvPr/>
+        </p:nvSpPr>
+        <p:spPr>
+          <a:xfrm rot="18895070">
+            <a:off x="6768054" y="689749"/>
+            <a:ext cx="2112121" cy="962160"/>
+          </a:xfrm>
+          <a:prstGeom prst="corner">
+            <a:avLst>
+              <a:gd name="adj1" fmla="val 38800"/>
+              <a:gd name="adj2" fmla="val 40702"/>
+            </a:avLst>
+          </a:prstGeom>
+          <a:solidFill>
+            <a:schemeClr val="bg1"/>
+          </a:solidFill>
+          <a:ln w="76200">
+            <a:solidFill>
+              <a:schemeClr val="tx1"/>
+            </a:solidFill>
+          </a:ln>
+        </p:spPr>
+        <p:style>
+          <a:lnRef idx="2">
+            <a:schemeClr val="accent1">
+              <a:shade val="15000"/>
+            </a:schemeClr>
+          </a:lnRef>
+          <a:fillRef idx="1">
+            <a:schemeClr val="accent1"/>
+          </a:fillRef>
+          <a:effectRef idx="0">
+            <a:schemeClr val="accent1"/>
+          </a:effectRef>
+          <a:fontRef idx="minor">
+            <a:schemeClr val="lt1"/>
+          </a:fontRef>
+        </p:style>
+        <p:txBody>
+          <a:bodyPr rtlCol="0" anchor="ctr"/>
+          <a:lstStyle/>
+          <a:p>
+            <a:pPr algn="ctr"/>
+            <a:endParaRPr lang="en-GB"/>
+          </a:p>
+        </p:txBody>
+      </p:sp>
     </p:spTree>
     <p:extLst>
       <p:ext uri="{BB962C8B-B14F-4D97-AF65-F5344CB8AC3E}">
